--- a/#Section15- 부록2 DBMS 오라클.pptx
+++ b/#Section15- 부록2 DBMS 오라클.pptx
@@ -6,6 +6,7 @@
   </p:sldMasterIdLst>
   <p:sldIdLst>
     <p:sldId id="268" r:id="rId2"/>
+    <p:sldId id="269" r:id="rId3"/>
   </p:sldIdLst>
   <p:sldSz cx="12192000" cy="6858000"/>
   <p:notesSz cx="6858000" cy="9144000"/>
@@ -243,7 +244,7 @@
           <a:p>
             <a:fld id="{1BDE155E-18D0-4AA6-B5E2-4D2CDFF03099}" type="datetimeFigureOut">
               <a:rPr lang="ko-KR" altLang="en-US" smtClean="0"/>
-              <a:t>2023-02-02</a:t>
+              <a:t>2023-02-04</a:t>
             </a:fld>
             <a:endParaRPr lang="ko-KR" altLang="en-US"/>
           </a:p>
@@ -413,7 +414,7 @@
           <a:p>
             <a:fld id="{1BDE155E-18D0-4AA6-B5E2-4D2CDFF03099}" type="datetimeFigureOut">
               <a:rPr lang="ko-KR" altLang="en-US" smtClean="0"/>
-              <a:t>2023-02-02</a:t>
+              <a:t>2023-02-04</a:t>
             </a:fld>
             <a:endParaRPr lang="ko-KR" altLang="en-US"/>
           </a:p>
@@ -593,7 +594,7 @@
           <a:p>
             <a:fld id="{1BDE155E-18D0-4AA6-B5E2-4D2CDFF03099}" type="datetimeFigureOut">
               <a:rPr lang="ko-KR" altLang="en-US" smtClean="0"/>
-              <a:t>2023-02-02</a:t>
+              <a:t>2023-02-04</a:t>
             </a:fld>
             <a:endParaRPr lang="ko-KR" altLang="en-US"/>
           </a:p>
@@ -763,7 +764,7 @@
           <a:p>
             <a:fld id="{1BDE155E-18D0-4AA6-B5E2-4D2CDFF03099}" type="datetimeFigureOut">
               <a:rPr lang="ko-KR" altLang="en-US" smtClean="0"/>
-              <a:t>2023-02-02</a:t>
+              <a:t>2023-02-04</a:t>
             </a:fld>
             <a:endParaRPr lang="ko-KR" altLang="en-US"/>
           </a:p>
@@ -1009,7 +1010,7 @@
           <a:p>
             <a:fld id="{1BDE155E-18D0-4AA6-B5E2-4D2CDFF03099}" type="datetimeFigureOut">
               <a:rPr lang="ko-KR" altLang="en-US" smtClean="0"/>
-              <a:t>2023-02-02</a:t>
+              <a:t>2023-02-04</a:t>
             </a:fld>
             <a:endParaRPr lang="ko-KR" altLang="en-US"/>
           </a:p>
@@ -1241,7 +1242,7 @@
           <a:p>
             <a:fld id="{1BDE155E-18D0-4AA6-B5E2-4D2CDFF03099}" type="datetimeFigureOut">
               <a:rPr lang="ko-KR" altLang="en-US" smtClean="0"/>
-              <a:t>2023-02-02</a:t>
+              <a:t>2023-02-04</a:t>
             </a:fld>
             <a:endParaRPr lang="ko-KR" altLang="en-US"/>
           </a:p>
@@ -1608,7 +1609,7 @@
           <a:p>
             <a:fld id="{1BDE155E-18D0-4AA6-B5E2-4D2CDFF03099}" type="datetimeFigureOut">
               <a:rPr lang="ko-KR" altLang="en-US" smtClean="0"/>
-              <a:t>2023-02-02</a:t>
+              <a:t>2023-02-04</a:t>
             </a:fld>
             <a:endParaRPr lang="ko-KR" altLang="en-US"/>
           </a:p>
@@ -1726,7 +1727,7 @@
           <a:p>
             <a:fld id="{1BDE155E-18D0-4AA6-B5E2-4D2CDFF03099}" type="datetimeFigureOut">
               <a:rPr lang="ko-KR" altLang="en-US" smtClean="0"/>
-              <a:t>2023-02-02</a:t>
+              <a:t>2023-02-04</a:t>
             </a:fld>
             <a:endParaRPr lang="ko-KR" altLang="en-US"/>
           </a:p>
@@ -1821,7 +1822,7 @@
           <a:p>
             <a:fld id="{1BDE155E-18D0-4AA6-B5E2-4D2CDFF03099}" type="datetimeFigureOut">
               <a:rPr lang="ko-KR" altLang="en-US" smtClean="0"/>
-              <a:t>2023-02-02</a:t>
+              <a:t>2023-02-04</a:t>
             </a:fld>
             <a:endParaRPr lang="ko-KR" altLang="en-US"/>
           </a:p>
@@ -2098,7 +2099,7 @@
           <a:p>
             <a:fld id="{1BDE155E-18D0-4AA6-B5E2-4D2CDFF03099}" type="datetimeFigureOut">
               <a:rPr lang="ko-KR" altLang="en-US" smtClean="0"/>
-              <a:t>2023-02-02</a:t>
+              <a:t>2023-02-04</a:t>
             </a:fld>
             <a:endParaRPr lang="ko-KR" altLang="en-US"/>
           </a:p>
@@ -2351,7 +2352,7 @@
           <a:p>
             <a:fld id="{1BDE155E-18D0-4AA6-B5E2-4D2CDFF03099}" type="datetimeFigureOut">
               <a:rPr lang="ko-KR" altLang="en-US" smtClean="0"/>
-              <a:t>2023-02-02</a:t>
+              <a:t>2023-02-04</a:t>
             </a:fld>
             <a:endParaRPr lang="ko-KR" altLang="en-US"/>
           </a:p>
@@ -2564,7 +2565,7 @@
           <a:p>
             <a:fld id="{1BDE155E-18D0-4AA6-B5E2-4D2CDFF03099}" type="datetimeFigureOut">
               <a:rPr lang="ko-KR" altLang="en-US" smtClean="0"/>
-              <a:t>2023-02-02</a:t>
+              <a:t>2023-02-04</a:t>
             </a:fld>
             <a:endParaRPr lang="ko-KR" altLang="en-US"/>
           </a:p>
@@ -4694,6 +4695,1841 @@
 </p:sld>
 </file>
 
+<file path=ppt/slides/slide2.xml><?xml version="1.0" encoding="utf-8"?>
+<p:sld xmlns:a="http://schemas.openxmlformats.org/drawingml/2006/main" xmlns:r="http://schemas.openxmlformats.org/officeDocument/2006/relationships" xmlns:p="http://schemas.openxmlformats.org/presentationml/2006/main">
+  <p:cSld>
+    <p:spTree>
+      <p:nvGrpSpPr>
+        <p:cNvPr id="1" name=""/>
+        <p:cNvGrpSpPr/>
+        <p:nvPr/>
+      </p:nvGrpSpPr>
+      <p:grpSpPr>
+        <a:xfrm>
+          <a:off x="0" y="0"/>
+          <a:ext cx="0" cy="0"/>
+          <a:chOff x="0" y="0"/>
+          <a:chExt cx="0" cy="0"/>
+        </a:xfrm>
+      </p:grpSpPr>
+      <p:cxnSp>
+        <p:nvCxnSpPr>
+          <p:cNvPr id="7" name="직선 연결선 6"/>
+          <p:cNvCxnSpPr/>
+          <p:nvPr/>
+        </p:nvCxnSpPr>
+        <p:spPr>
+          <a:xfrm>
+            <a:off x="4" y="720109"/>
+            <a:ext cx="12192000" cy="0"/>
+          </a:xfrm>
+          <a:prstGeom prst="line">
+            <a:avLst/>
+          </a:prstGeom>
+          <a:ln>
+            <a:solidFill>
+              <a:schemeClr val="tx1"/>
+            </a:solidFill>
+          </a:ln>
+        </p:spPr>
+        <p:style>
+          <a:lnRef idx="1">
+            <a:schemeClr val="accent1"/>
+          </a:lnRef>
+          <a:fillRef idx="0">
+            <a:schemeClr val="accent1"/>
+          </a:fillRef>
+          <a:effectRef idx="0">
+            <a:schemeClr val="accent1"/>
+          </a:effectRef>
+          <a:fontRef idx="minor">
+            <a:schemeClr val="tx1"/>
+          </a:fontRef>
+        </p:style>
+      </p:cxnSp>
+      <p:sp>
+        <p:nvSpPr>
+          <p:cNvPr id="15" name="TextBox 14"/>
+          <p:cNvSpPr txBox="1"/>
+          <p:nvPr/>
+        </p:nvSpPr>
+        <p:spPr>
+          <a:xfrm>
+            <a:off x="11563453" y="6609916"/>
+            <a:ext cx="628698" cy="246221"/>
+          </a:xfrm>
+          <a:prstGeom prst="rect">
+            <a:avLst/>
+          </a:prstGeom>
+          <a:noFill/>
+        </p:spPr>
+        <p:txBody>
+          <a:bodyPr wrap="none" rtlCol="0">
+            <a:spAutoFit/>
+          </a:bodyPr>
+          <a:lstStyle/>
+          <a:p>
+            <a:r>
+              <a:rPr lang="en-US" altLang="ko-KR" sz="1000" dirty="0" smtClean="0">
+                <a:latin typeface="HY얕은샘물M" panose="02030600000101010101" pitchFamily="18" charset="-127"/>
+                <a:ea typeface="HY얕은샘물M" panose="02030600000101010101" pitchFamily="18" charset="-127"/>
+              </a:rPr>
+              <a:t>IT</a:t>
+            </a:r>
+            <a:r>
+              <a:rPr lang="ko-KR" altLang="en-US" sz="1000" dirty="0" smtClean="0">
+                <a:latin typeface="HY얕은샘물M" panose="02030600000101010101" pitchFamily="18" charset="-127"/>
+                <a:ea typeface="HY얕은샘물M" panose="02030600000101010101" pitchFamily="18" charset="-127"/>
+              </a:rPr>
+              <a:t>늦공 김부장</a:t>
+            </a:r>
+            <a:endParaRPr lang="ko-KR" altLang="en-US" sz="1000" dirty="0">
+              <a:latin typeface="HY얕은샘물M" panose="02030600000101010101" pitchFamily="18" charset="-127"/>
+              <a:ea typeface="HY얕은샘물M" panose="02030600000101010101" pitchFamily="18" charset="-127"/>
+            </a:endParaRPr>
+          </a:p>
+        </p:txBody>
+      </p:sp>
+      <p:pic>
+        <p:nvPicPr>
+          <p:cNvPr id="16" name="그림 15"/>
+          <p:cNvPicPr>
+            <a:picLocks noChangeAspect="1"/>
+          </p:cNvPicPr>
+          <p:nvPr/>
+        </p:nvPicPr>
+        <p:blipFill>
+          <a:blip r:embed="rId2"/>
+          <a:stretch>
+            <a:fillRect/>
+          </a:stretch>
+        </p:blipFill>
+        <p:spPr>
+          <a:xfrm>
+            <a:off x="538775" y="3008867"/>
+            <a:ext cx="1259528" cy="788498"/>
+          </a:xfrm>
+          <a:prstGeom prst="rect">
+            <a:avLst/>
+          </a:prstGeom>
+          <a:ln>
+            <a:solidFill>
+              <a:schemeClr val="bg1">
+                <a:lumMod val="50000"/>
+              </a:schemeClr>
+            </a:solidFill>
+          </a:ln>
+        </p:spPr>
+      </p:pic>
+      <p:sp>
+        <p:nvSpPr>
+          <p:cNvPr id="19" name="직사각형 18"/>
+          <p:cNvSpPr/>
+          <p:nvPr/>
+        </p:nvSpPr>
+        <p:spPr>
+          <a:xfrm>
+            <a:off x="2370158" y="2563057"/>
+            <a:ext cx="4197982" cy="2472962"/>
+          </a:xfrm>
+          <a:prstGeom prst="rect">
+            <a:avLst/>
+          </a:prstGeom>
+          <a:noFill/>
+          <a:ln>
+            <a:solidFill>
+              <a:schemeClr val="tx1"/>
+            </a:solidFill>
+          </a:ln>
+        </p:spPr>
+        <p:style>
+          <a:lnRef idx="2">
+            <a:schemeClr val="accent1">
+              <a:shade val="50000"/>
+            </a:schemeClr>
+          </a:lnRef>
+          <a:fillRef idx="1">
+            <a:schemeClr val="accent1"/>
+          </a:fillRef>
+          <a:effectRef idx="0">
+            <a:schemeClr val="accent1"/>
+          </a:effectRef>
+          <a:fontRef idx="minor">
+            <a:schemeClr val="lt1"/>
+          </a:fontRef>
+        </p:style>
+        <p:txBody>
+          <a:bodyPr rtlCol="0" anchor="ctr"/>
+          <a:lstStyle/>
+          <a:p>
+            <a:pPr algn="ctr"/>
+            <a:endParaRPr lang="ko-KR" altLang="en-US" sz="1100"/>
+          </a:p>
+        </p:txBody>
+      </p:sp>
+      <p:sp>
+        <p:nvSpPr>
+          <p:cNvPr id="20" name="TextBox 19"/>
+          <p:cNvSpPr txBox="1"/>
+          <p:nvPr/>
+        </p:nvSpPr>
+        <p:spPr>
+          <a:xfrm>
+            <a:off x="3653925" y="2211656"/>
+            <a:ext cx="1405128" cy="276999"/>
+          </a:xfrm>
+          <a:prstGeom prst="rect">
+            <a:avLst/>
+          </a:prstGeom>
+          <a:noFill/>
+        </p:spPr>
+        <p:txBody>
+          <a:bodyPr wrap="none" rtlCol="0">
+            <a:spAutoFit/>
+          </a:bodyPr>
+          <a:lstStyle/>
+          <a:p>
+            <a:r>
+              <a:rPr lang="en-US" altLang="ko-KR" sz="1200" b="1" dirty="0" smtClean="0"/>
+              <a:t>WEB / WAS </a:t>
+            </a:r>
+            <a:r>
+              <a:rPr lang="ko-KR" altLang="en-US" sz="1200" b="1" dirty="0" smtClean="0"/>
+              <a:t>영역</a:t>
+            </a:r>
+            <a:endParaRPr lang="ko-KR" altLang="en-US" sz="1200" b="1" dirty="0"/>
+          </a:p>
+        </p:txBody>
+      </p:sp>
+      <p:cxnSp>
+        <p:nvCxnSpPr>
+          <p:cNvPr id="23" name="직선 화살표 연결선 22"/>
+          <p:cNvCxnSpPr/>
+          <p:nvPr/>
+        </p:nvCxnSpPr>
+        <p:spPr>
+          <a:xfrm>
+            <a:off x="3476982" y="3004830"/>
+            <a:ext cx="581271" cy="0"/>
+          </a:xfrm>
+          <a:prstGeom prst="straightConnector1">
+            <a:avLst/>
+          </a:prstGeom>
+          <a:ln w="28575">
+            <a:solidFill>
+              <a:schemeClr val="tx1"/>
+            </a:solidFill>
+            <a:tailEnd type="triangle"/>
+          </a:ln>
+        </p:spPr>
+        <p:style>
+          <a:lnRef idx="1">
+            <a:schemeClr val="accent1"/>
+          </a:lnRef>
+          <a:fillRef idx="0">
+            <a:schemeClr val="accent1"/>
+          </a:fillRef>
+          <a:effectRef idx="0">
+            <a:schemeClr val="accent1"/>
+          </a:effectRef>
+          <a:fontRef idx="minor">
+            <a:schemeClr val="tx1"/>
+          </a:fontRef>
+        </p:style>
+      </p:cxnSp>
+      <p:cxnSp>
+        <p:nvCxnSpPr>
+          <p:cNvPr id="24" name="직선 화살표 연결선 23"/>
+          <p:cNvCxnSpPr/>
+          <p:nvPr/>
+        </p:nvCxnSpPr>
+        <p:spPr>
+          <a:xfrm>
+            <a:off x="5045983" y="3001598"/>
+            <a:ext cx="328113" cy="0"/>
+          </a:xfrm>
+          <a:prstGeom prst="straightConnector1">
+            <a:avLst/>
+          </a:prstGeom>
+          <a:ln w="28575">
+            <a:solidFill>
+              <a:schemeClr val="tx1"/>
+            </a:solidFill>
+            <a:tailEnd type="triangle"/>
+          </a:ln>
+        </p:spPr>
+        <p:style>
+          <a:lnRef idx="1">
+            <a:schemeClr val="accent1"/>
+          </a:lnRef>
+          <a:fillRef idx="0">
+            <a:schemeClr val="accent1"/>
+          </a:fillRef>
+          <a:effectRef idx="0">
+            <a:schemeClr val="accent1"/>
+          </a:effectRef>
+          <a:fontRef idx="minor">
+            <a:schemeClr val="tx1"/>
+          </a:fontRef>
+        </p:style>
+      </p:cxnSp>
+      <p:sp>
+        <p:nvSpPr>
+          <p:cNvPr id="29" name="직사각형 28"/>
+          <p:cNvSpPr/>
+          <p:nvPr/>
+        </p:nvSpPr>
+        <p:spPr>
+          <a:xfrm>
+            <a:off x="2687449" y="2707616"/>
+            <a:ext cx="960656" cy="788941"/>
+          </a:xfrm>
+          <a:prstGeom prst="rect">
+            <a:avLst/>
+          </a:prstGeom>
+          <a:solidFill>
+            <a:schemeClr val="accent4">
+              <a:lumMod val="20000"/>
+              <a:lumOff val="80000"/>
+            </a:schemeClr>
+          </a:solidFill>
+          <a:ln>
+            <a:solidFill>
+              <a:schemeClr val="bg1">
+                <a:lumMod val="50000"/>
+              </a:schemeClr>
+            </a:solidFill>
+          </a:ln>
+        </p:spPr>
+        <p:style>
+          <a:lnRef idx="2">
+            <a:schemeClr val="accent1">
+              <a:shade val="50000"/>
+            </a:schemeClr>
+          </a:lnRef>
+          <a:fillRef idx="1">
+            <a:schemeClr val="accent1"/>
+          </a:fillRef>
+          <a:effectRef idx="0">
+            <a:schemeClr val="accent1"/>
+          </a:effectRef>
+          <a:fontRef idx="minor">
+            <a:schemeClr val="lt1"/>
+          </a:fontRef>
+        </p:style>
+        <p:txBody>
+          <a:bodyPr rtlCol="0" anchor="ctr"/>
+          <a:lstStyle/>
+          <a:p>
+            <a:pPr algn="ctr"/>
+            <a:r>
+              <a:rPr lang="en-US" altLang="ko-KR" sz="1050" b="1" dirty="0" smtClean="0">
+                <a:solidFill>
+                  <a:schemeClr val="tx1"/>
+                </a:solidFill>
+              </a:rPr>
+              <a:t>Controller</a:t>
+            </a:r>
+          </a:p>
+          <a:p>
+            <a:pPr algn="ctr"/>
+            <a:endParaRPr lang="en-US" altLang="ko-KR" sz="1050" b="1" dirty="0">
+              <a:solidFill>
+                <a:schemeClr val="tx1"/>
+              </a:solidFill>
+            </a:endParaRPr>
+          </a:p>
+          <a:p>
+            <a:pPr algn="ctr">
+              <a:lnSpc>
+                <a:spcPct val="150000"/>
+              </a:lnSpc>
+            </a:pPr>
+            <a:r>
+              <a:rPr lang="en-US" altLang="ko-KR" sz="700" dirty="0" smtClean="0">
+                <a:solidFill>
+                  <a:schemeClr val="tx1"/>
+                </a:solidFill>
+              </a:rPr>
+              <a:t>(</a:t>
+            </a:r>
+            <a:r>
+              <a:rPr lang="ko-KR" altLang="en-US" sz="700" dirty="0" smtClean="0">
+                <a:solidFill>
+                  <a:schemeClr val="tx1"/>
+                </a:solidFill>
+              </a:rPr>
+              <a:t>안내소</a:t>
+            </a:r>
+            <a:r>
+              <a:rPr lang="en-US" altLang="ko-KR" sz="700" dirty="0" smtClean="0">
+                <a:solidFill>
+                  <a:schemeClr val="tx1"/>
+                </a:solidFill>
+              </a:rPr>
+              <a:t>,</a:t>
+            </a:r>
+          </a:p>
+          <a:p>
+            <a:pPr algn="ctr">
+              <a:lnSpc>
+                <a:spcPct val="150000"/>
+              </a:lnSpc>
+            </a:pPr>
+            <a:r>
+              <a:rPr lang="ko-KR" altLang="en-US" sz="700" dirty="0" smtClean="0">
+                <a:solidFill>
+                  <a:schemeClr val="tx1"/>
+                </a:solidFill>
+              </a:rPr>
+              <a:t>관제탑</a:t>
+            </a:r>
+            <a:r>
+              <a:rPr lang="en-US" altLang="ko-KR" sz="700" dirty="0" smtClean="0">
+                <a:solidFill>
+                  <a:schemeClr val="tx1"/>
+                </a:solidFill>
+              </a:rPr>
+              <a:t>)</a:t>
+            </a:r>
+            <a:endParaRPr lang="ko-KR" altLang="en-US" sz="700" dirty="0">
+              <a:solidFill>
+                <a:schemeClr val="tx1"/>
+              </a:solidFill>
+            </a:endParaRPr>
+          </a:p>
+        </p:txBody>
+      </p:sp>
+      <p:sp>
+        <p:nvSpPr>
+          <p:cNvPr id="30" name="직사각형 29"/>
+          <p:cNvSpPr/>
+          <p:nvPr/>
+        </p:nvSpPr>
+        <p:spPr>
+          <a:xfrm>
+            <a:off x="4060894" y="2707616"/>
+            <a:ext cx="979108" cy="788941"/>
+          </a:xfrm>
+          <a:prstGeom prst="rect">
+            <a:avLst/>
+          </a:prstGeom>
+          <a:solidFill>
+            <a:schemeClr val="accent4">
+              <a:lumMod val="20000"/>
+              <a:lumOff val="80000"/>
+            </a:schemeClr>
+          </a:solidFill>
+          <a:ln>
+            <a:solidFill>
+              <a:schemeClr val="bg1">
+                <a:lumMod val="50000"/>
+              </a:schemeClr>
+            </a:solidFill>
+          </a:ln>
+        </p:spPr>
+        <p:style>
+          <a:lnRef idx="2">
+            <a:schemeClr val="accent1">
+              <a:shade val="50000"/>
+            </a:schemeClr>
+          </a:lnRef>
+          <a:fillRef idx="1">
+            <a:schemeClr val="accent1"/>
+          </a:fillRef>
+          <a:effectRef idx="0">
+            <a:schemeClr val="accent1"/>
+          </a:effectRef>
+          <a:fontRef idx="minor">
+            <a:schemeClr val="lt1"/>
+          </a:fontRef>
+        </p:style>
+        <p:txBody>
+          <a:bodyPr rtlCol="0" anchor="ctr"/>
+          <a:lstStyle/>
+          <a:p>
+            <a:pPr algn="ctr"/>
+            <a:r>
+              <a:rPr lang="en-US" altLang="ko-KR" sz="1050" b="1" dirty="0" smtClean="0">
+                <a:solidFill>
+                  <a:schemeClr val="tx1"/>
+                </a:solidFill>
+              </a:rPr>
+              <a:t>Service</a:t>
+            </a:r>
+          </a:p>
+          <a:p>
+            <a:pPr algn="ctr"/>
+            <a:endParaRPr lang="en-US" altLang="ko-KR" sz="1050" b="1" dirty="0">
+              <a:solidFill>
+                <a:schemeClr val="tx1"/>
+              </a:solidFill>
+            </a:endParaRPr>
+          </a:p>
+          <a:p>
+            <a:pPr algn="ctr">
+              <a:lnSpc>
+                <a:spcPct val="150000"/>
+              </a:lnSpc>
+            </a:pPr>
+            <a:r>
+              <a:rPr lang="en-US" altLang="ko-KR" sz="700" dirty="0" smtClean="0">
+                <a:solidFill>
+                  <a:schemeClr val="tx1"/>
+                </a:solidFill>
+              </a:rPr>
+              <a:t>Login </a:t>
+            </a:r>
+            <a:r>
+              <a:rPr lang="ko-KR" altLang="en-US" sz="700" dirty="0" smtClean="0">
+                <a:solidFill>
+                  <a:schemeClr val="tx1"/>
+                </a:solidFill>
+              </a:rPr>
+              <a:t>처리</a:t>
+            </a:r>
+            <a:endParaRPr lang="en-US" altLang="ko-KR" sz="700" dirty="0" smtClean="0">
+              <a:solidFill>
+                <a:schemeClr val="tx1"/>
+              </a:solidFill>
+            </a:endParaRPr>
+          </a:p>
+          <a:p>
+            <a:pPr algn="ctr">
+              <a:lnSpc>
+                <a:spcPct val="150000"/>
+              </a:lnSpc>
+            </a:pPr>
+            <a:r>
+              <a:rPr lang="ko-KR" altLang="en-US" sz="700" dirty="0" smtClean="0">
+                <a:solidFill>
+                  <a:schemeClr val="tx1"/>
+                </a:solidFill>
+              </a:rPr>
+              <a:t>실제 업무처리</a:t>
+            </a:r>
+            <a:endParaRPr lang="ko-KR" altLang="en-US" sz="700" dirty="0">
+              <a:solidFill>
+                <a:schemeClr val="tx1"/>
+              </a:solidFill>
+            </a:endParaRPr>
+          </a:p>
+        </p:txBody>
+      </p:sp>
+      <p:sp>
+        <p:nvSpPr>
+          <p:cNvPr id="31" name="직사각형 30"/>
+          <p:cNvSpPr/>
+          <p:nvPr/>
+        </p:nvSpPr>
+        <p:spPr>
+          <a:xfrm>
+            <a:off x="5369222" y="2707616"/>
+            <a:ext cx="973234" cy="785358"/>
+          </a:xfrm>
+          <a:prstGeom prst="rect">
+            <a:avLst/>
+          </a:prstGeom>
+          <a:solidFill>
+            <a:schemeClr val="accent4">
+              <a:lumMod val="20000"/>
+              <a:lumOff val="80000"/>
+            </a:schemeClr>
+          </a:solidFill>
+          <a:ln>
+            <a:solidFill>
+              <a:schemeClr val="bg1">
+                <a:lumMod val="50000"/>
+              </a:schemeClr>
+            </a:solidFill>
+          </a:ln>
+        </p:spPr>
+        <p:style>
+          <a:lnRef idx="2">
+            <a:schemeClr val="accent1">
+              <a:shade val="50000"/>
+            </a:schemeClr>
+          </a:lnRef>
+          <a:fillRef idx="1">
+            <a:schemeClr val="accent1"/>
+          </a:fillRef>
+          <a:effectRef idx="0">
+            <a:schemeClr val="accent1"/>
+          </a:effectRef>
+          <a:fontRef idx="minor">
+            <a:schemeClr val="lt1"/>
+          </a:fontRef>
+        </p:style>
+        <p:txBody>
+          <a:bodyPr rtlCol="0" anchor="ctr"/>
+          <a:lstStyle/>
+          <a:p>
+            <a:pPr algn="ctr"/>
+            <a:r>
+              <a:rPr lang="en-US" altLang="ko-KR" sz="1050" b="1" dirty="0" smtClean="0">
+                <a:solidFill>
+                  <a:schemeClr val="tx1"/>
+                </a:solidFill>
+              </a:rPr>
+              <a:t>Dao  or</a:t>
+            </a:r>
+            <a:br>
+              <a:rPr lang="en-US" altLang="ko-KR" sz="1050" b="1" dirty="0" smtClean="0">
+                <a:solidFill>
+                  <a:schemeClr val="tx1"/>
+                </a:solidFill>
+              </a:rPr>
+            </a:br>
+            <a:r>
+              <a:rPr lang="en-US" altLang="ko-KR" sz="1050" b="1" dirty="0" smtClean="0">
+                <a:solidFill>
+                  <a:schemeClr val="tx1"/>
+                </a:solidFill>
+              </a:rPr>
+              <a:t>Repository</a:t>
+            </a:r>
+          </a:p>
+          <a:p>
+            <a:pPr algn="ctr"/>
+            <a:endParaRPr lang="en-US" altLang="ko-KR" sz="1050" b="1" dirty="0">
+              <a:solidFill>
+                <a:schemeClr val="tx1"/>
+              </a:solidFill>
+            </a:endParaRPr>
+          </a:p>
+          <a:p>
+            <a:pPr algn="ctr"/>
+            <a:r>
+              <a:rPr lang="en-US" altLang="ko-KR" sz="700" dirty="0" smtClean="0">
+                <a:solidFill>
+                  <a:schemeClr val="tx1"/>
+                </a:solidFill>
+              </a:rPr>
+              <a:t>Data </a:t>
+            </a:r>
+            <a:r>
+              <a:rPr lang="ko-KR" altLang="en-US" sz="700" dirty="0" smtClean="0">
+                <a:solidFill>
+                  <a:schemeClr val="tx1"/>
+                </a:solidFill>
+              </a:rPr>
+              <a:t>처리</a:t>
+            </a:r>
+            <a:endParaRPr lang="ko-KR" altLang="en-US" sz="1050" dirty="0">
+              <a:solidFill>
+                <a:schemeClr val="tx1"/>
+              </a:solidFill>
+            </a:endParaRPr>
+          </a:p>
+        </p:txBody>
+      </p:sp>
+      <p:sp>
+        <p:nvSpPr>
+          <p:cNvPr id="40" name="아래쪽 화살표 39"/>
+          <p:cNvSpPr/>
+          <p:nvPr/>
+        </p:nvSpPr>
+        <p:spPr>
+          <a:xfrm>
+            <a:off x="2767175" y="3574560"/>
+            <a:ext cx="170267" cy="502856"/>
+          </a:xfrm>
+          <a:prstGeom prst="downArrow">
+            <a:avLst/>
+          </a:prstGeom>
+          <a:solidFill>
+            <a:srgbClr val="7030A0"/>
+          </a:solidFill>
+          <a:ln>
+            <a:noFill/>
+          </a:ln>
+        </p:spPr>
+        <p:style>
+          <a:lnRef idx="2">
+            <a:schemeClr val="accent1">
+              <a:shade val="50000"/>
+            </a:schemeClr>
+          </a:lnRef>
+          <a:fillRef idx="1">
+            <a:schemeClr val="accent1"/>
+          </a:fillRef>
+          <a:effectRef idx="0">
+            <a:schemeClr val="accent1"/>
+          </a:effectRef>
+          <a:fontRef idx="minor">
+            <a:schemeClr val="lt1"/>
+          </a:fontRef>
+        </p:style>
+        <p:txBody>
+          <a:bodyPr rtlCol="0" anchor="ctr"/>
+          <a:lstStyle/>
+          <a:p>
+            <a:pPr algn="ctr"/>
+            <a:endParaRPr lang="ko-KR" altLang="en-US" sz="1200"/>
+          </a:p>
+        </p:txBody>
+      </p:sp>
+      <p:cxnSp>
+        <p:nvCxnSpPr>
+          <p:cNvPr id="41" name="꺾인 연결선 40"/>
+          <p:cNvCxnSpPr>
+            <a:stCxn id="29" idx="2"/>
+            <a:endCxn id="30" idx="2"/>
+          </p:cNvCxnSpPr>
+          <p:nvPr/>
+        </p:nvCxnSpPr>
+        <p:spPr>
+          <a:xfrm rot="16200000" flipH="1">
+            <a:off x="3859298" y="2805221"/>
+            <a:ext cx="8000" cy="1382672"/>
+          </a:xfrm>
+          <a:prstGeom prst="bentConnector3">
+            <a:avLst>
+              <a:gd name="adj1" fmla="val 3090567"/>
+            </a:avLst>
+          </a:prstGeom>
+          <a:ln>
+            <a:solidFill>
+              <a:schemeClr val="tx1"/>
+            </a:solidFill>
+          </a:ln>
+        </p:spPr>
+        <p:style>
+          <a:lnRef idx="1">
+            <a:schemeClr val="accent1"/>
+          </a:lnRef>
+          <a:fillRef idx="0">
+            <a:schemeClr val="accent1"/>
+          </a:fillRef>
+          <a:effectRef idx="0">
+            <a:schemeClr val="accent1"/>
+          </a:effectRef>
+          <a:fontRef idx="minor">
+            <a:schemeClr val="tx1"/>
+          </a:fontRef>
+        </p:style>
+      </p:cxnSp>
+      <p:cxnSp>
+        <p:nvCxnSpPr>
+          <p:cNvPr id="42" name="꺾인 연결선 41"/>
+          <p:cNvCxnSpPr/>
+          <p:nvPr/>
+        </p:nvCxnSpPr>
+        <p:spPr>
+          <a:xfrm rot="5400000" flipH="1" flipV="1">
+            <a:off x="4522397" y="2517047"/>
+            <a:ext cx="3583" cy="1305392"/>
+          </a:xfrm>
+          <a:prstGeom prst="bentConnector3">
+            <a:avLst>
+              <a:gd name="adj1" fmla="val -6900510"/>
+            </a:avLst>
+          </a:prstGeom>
+          <a:ln>
+            <a:solidFill>
+              <a:schemeClr val="tx1"/>
+            </a:solidFill>
+          </a:ln>
+        </p:spPr>
+        <p:style>
+          <a:lnRef idx="1">
+            <a:schemeClr val="accent1"/>
+          </a:lnRef>
+          <a:fillRef idx="0">
+            <a:schemeClr val="accent1"/>
+          </a:fillRef>
+          <a:effectRef idx="0">
+            <a:schemeClr val="accent1"/>
+          </a:effectRef>
+          <a:fontRef idx="minor">
+            <a:schemeClr val="tx1"/>
+          </a:fontRef>
+        </p:style>
+      </p:cxnSp>
+      <p:sp>
+        <p:nvSpPr>
+          <p:cNvPr id="43" name="직사각형 42"/>
+          <p:cNvSpPr/>
+          <p:nvPr/>
+        </p:nvSpPr>
+        <p:spPr>
+          <a:xfrm>
+            <a:off x="3598201" y="3871638"/>
+            <a:ext cx="786492" cy="183433"/>
+          </a:xfrm>
+          <a:prstGeom prst="rect">
+            <a:avLst/>
+          </a:prstGeom>
+          <a:noFill/>
+          <a:ln>
+            <a:solidFill>
+              <a:schemeClr val="tx1"/>
+            </a:solidFill>
+          </a:ln>
+        </p:spPr>
+        <p:style>
+          <a:lnRef idx="2">
+            <a:schemeClr val="accent1">
+              <a:shade val="50000"/>
+            </a:schemeClr>
+          </a:lnRef>
+          <a:fillRef idx="1">
+            <a:schemeClr val="accent1"/>
+          </a:fillRef>
+          <a:effectRef idx="0">
+            <a:schemeClr val="accent1"/>
+          </a:effectRef>
+          <a:fontRef idx="minor">
+            <a:schemeClr val="lt1"/>
+          </a:fontRef>
+        </p:style>
+        <p:txBody>
+          <a:bodyPr rtlCol="0" anchor="ctr"/>
+          <a:lstStyle/>
+          <a:p>
+            <a:pPr algn="ctr"/>
+            <a:r>
+              <a:rPr lang="ko-KR" altLang="en-US" sz="700" dirty="0" smtClean="0">
+                <a:solidFill>
+                  <a:schemeClr val="tx1"/>
+                </a:solidFill>
+              </a:rPr>
+              <a:t>데이터 이동</a:t>
+            </a:r>
+            <a:endParaRPr lang="ko-KR" altLang="en-US" sz="700" dirty="0">
+              <a:solidFill>
+                <a:schemeClr val="tx1"/>
+              </a:solidFill>
+            </a:endParaRPr>
+          </a:p>
+        </p:txBody>
+      </p:sp>
+      <p:sp>
+        <p:nvSpPr>
+          <p:cNvPr id="44" name="직사각형 43"/>
+          <p:cNvSpPr/>
+          <p:nvPr/>
+        </p:nvSpPr>
+        <p:spPr>
+          <a:xfrm>
+            <a:off x="4686636" y="3871638"/>
+            <a:ext cx="786492" cy="183433"/>
+          </a:xfrm>
+          <a:prstGeom prst="rect">
+            <a:avLst/>
+          </a:prstGeom>
+          <a:noFill/>
+          <a:ln>
+            <a:solidFill>
+              <a:schemeClr val="tx1"/>
+            </a:solidFill>
+          </a:ln>
+        </p:spPr>
+        <p:style>
+          <a:lnRef idx="2">
+            <a:schemeClr val="accent1">
+              <a:shade val="50000"/>
+            </a:schemeClr>
+          </a:lnRef>
+          <a:fillRef idx="1">
+            <a:schemeClr val="accent1"/>
+          </a:fillRef>
+          <a:effectRef idx="0">
+            <a:schemeClr val="accent1"/>
+          </a:effectRef>
+          <a:fontRef idx="minor">
+            <a:schemeClr val="lt1"/>
+          </a:fontRef>
+        </p:style>
+        <p:txBody>
+          <a:bodyPr rtlCol="0" anchor="ctr"/>
+          <a:lstStyle/>
+          <a:p>
+            <a:pPr algn="ctr"/>
+            <a:r>
+              <a:rPr lang="ko-KR" altLang="en-US" sz="700" dirty="0" smtClean="0">
+                <a:solidFill>
+                  <a:schemeClr val="tx1"/>
+                </a:solidFill>
+              </a:rPr>
+              <a:t>데이터 이동</a:t>
+            </a:r>
+            <a:endParaRPr lang="ko-KR" altLang="en-US" sz="700" dirty="0">
+              <a:solidFill>
+                <a:schemeClr val="tx1"/>
+              </a:solidFill>
+            </a:endParaRPr>
+          </a:p>
+        </p:txBody>
+      </p:sp>
+      <p:sp>
+        <p:nvSpPr>
+          <p:cNvPr id="45" name="TextBox 44"/>
+          <p:cNvSpPr txBox="1"/>
+          <p:nvPr/>
+        </p:nvSpPr>
+        <p:spPr>
+          <a:xfrm>
+            <a:off x="3872638" y="4216130"/>
+            <a:ext cx="1363991" cy="415498"/>
+          </a:xfrm>
+          <a:prstGeom prst="rect">
+            <a:avLst/>
+          </a:prstGeom>
+          <a:noFill/>
+          <a:ln>
+            <a:solidFill>
+              <a:schemeClr val="tx1"/>
+            </a:solidFill>
+          </a:ln>
+        </p:spPr>
+        <p:txBody>
+          <a:bodyPr wrap="square" rtlCol="0">
+            <a:spAutoFit/>
+          </a:bodyPr>
+          <a:lstStyle/>
+          <a:p>
+            <a:pPr marL="285750" indent="-285750">
+              <a:lnSpc>
+                <a:spcPct val="150000"/>
+              </a:lnSpc>
+              <a:buFont typeface="Arial" panose="020B0604020202020204" pitchFamily="34" charset="0"/>
+              <a:buChar char="•"/>
+            </a:pPr>
+            <a:r>
+              <a:rPr lang="en-US" altLang="ko-KR" sz="700" dirty="0" smtClean="0"/>
+              <a:t>Collection(List), Map</a:t>
+            </a:r>
+          </a:p>
+          <a:p>
+            <a:pPr marL="285750" indent="-285750">
+              <a:lnSpc>
+                <a:spcPct val="150000"/>
+              </a:lnSpc>
+              <a:buFont typeface="Arial" panose="020B0604020202020204" pitchFamily="34" charset="0"/>
+              <a:buChar char="•"/>
+            </a:pPr>
+            <a:r>
+              <a:rPr lang="en-US" altLang="ko-KR" sz="700" dirty="0" smtClean="0"/>
+              <a:t>VO , DTO</a:t>
+            </a:r>
+            <a:endParaRPr lang="ko-KR" altLang="en-US" sz="700" dirty="0"/>
+          </a:p>
+        </p:txBody>
+      </p:sp>
+      <p:pic>
+        <p:nvPicPr>
+          <p:cNvPr id="53" name="그림 52"/>
+          <p:cNvPicPr>
+            <a:picLocks noChangeAspect="1"/>
+          </p:cNvPicPr>
+          <p:nvPr/>
+        </p:nvPicPr>
+        <p:blipFill>
+          <a:blip r:embed="rId3"/>
+          <a:stretch>
+            <a:fillRect/>
+          </a:stretch>
+        </p:blipFill>
+        <p:spPr>
+          <a:xfrm>
+            <a:off x="5562083" y="3463552"/>
+            <a:ext cx="591112" cy="164099"/>
+          </a:xfrm>
+          <a:prstGeom prst="rect">
+            <a:avLst/>
+          </a:prstGeom>
+        </p:spPr>
+      </p:pic>
+      <p:pic>
+        <p:nvPicPr>
+          <p:cNvPr id="54" name="그림 53"/>
+          <p:cNvPicPr>
+            <a:picLocks noChangeAspect="1"/>
+          </p:cNvPicPr>
+          <p:nvPr/>
+        </p:nvPicPr>
+        <p:blipFill>
+          <a:blip r:embed="rId4"/>
+          <a:stretch>
+            <a:fillRect/>
+          </a:stretch>
+        </p:blipFill>
+        <p:spPr>
+          <a:xfrm>
+            <a:off x="2379679" y="2296929"/>
+            <a:ext cx="592191" cy="262492"/>
+          </a:xfrm>
+          <a:prstGeom prst="rect">
+            <a:avLst/>
+          </a:prstGeom>
+          <a:ln>
+            <a:noFill/>
+          </a:ln>
+        </p:spPr>
+      </p:pic>
+      <p:cxnSp>
+        <p:nvCxnSpPr>
+          <p:cNvPr id="36" name="직선 화살표 연결선 35"/>
+          <p:cNvCxnSpPr/>
+          <p:nvPr/>
+        </p:nvCxnSpPr>
+        <p:spPr>
+          <a:xfrm>
+            <a:off x="3656429" y="3226186"/>
+            <a:ext cx="381722" cy="0"/>
+          </a:xfrm>
+          <a:prstGeom prst="straightConnector1">
+            <a:avLst/>
+          </a:prstGeom>
+          <a:ln w="28575">
+            <a:solidFill>
+              <a:schemeClr val="tx1"/>
+            </a:solidFill>
+            <a:headEnd type="arrow" w="med" len="med"/>
+            <a:tailEnd type="none" w="med" len="med"/>
+          </a:ln>
+        </p:spPr>
+        <p:style>
+          <a:lnRef idx="1">
+            <a:schemeClr val="accent1"/>
+          </a:lnRef>
+          <a:fillRef idx="0">
+            <a:schemeClr val="accent1"/>
+          </a:fillRef>
+          <a:effectRef idx="0">
+            <a:schemeClr val="accent1"/>
+          </a:effectRef>
+          <a:fontRef idx="minor">
+            <a:schemeClr val="tx1"/>
+          </a:fontRef>
+        </p:style>
+      </p:cxnSp>
+      <p:cxnSp>
+        <p:nvCxnSpPr>
+          <p:cNvPr id="48" name="직선 화살표 연결선 47"/>
+          <p:cNvCxnSpPr/>
+          <p:nvPr/>
+        </p:nvCxnSpPr>
+        <p:spPr>
+          <a:xfrm>
+            <a:off x="5050170" y="3226186"/>
+            <a:ext cx="299639" cy="0"/>
+          </a:xfrm>
+          <a:prstGeom prst="straightConnector1">
+            <a:avLst/>
+          </a:prstGeom>
+          <a:ln w="28575">
+            <a:solidFill>
+              <a:schemeClr val="tx1"/>
+            </a:solidFill>
+            <a:headEnd type="arrow" w="med" len="med"/>
+            <a:tailEnd type="none" w="med" len="med"/>
+          </a:ln>
+        </p:spPr>
+        <p:style>
+          <a:lnRef idx="1">
+            <a:schemeClr val="accent1"/>
+          </a:lnRef>
+          <a:fillRef idx="0">
+            <a:schemeClr val="accent1"/>
+          </a:fillRef>
+          <a:effectRef idx="0">
+            <a:schemeClr val="accent1"/>
+          </a:effectRef>
+          <a:fontRef idx="minor">
+            <a:schemeClr val="tx1"/>
+          </a:fontRef>
+        </p:style>
+      </p:cxnSp>
+      <p:cxnSp>
+        <p:nvCxnSpPr>
+          <p:cNvPr id="38" name="직선 화살표 연결선 37"/>
+          <p:cNvCxnSpPr>
+            <a:stCxn id="16" idx="3"/>
+            <a:endCxn id="29" idx="1"/>
+          </p:cNvCxnSpPr>
+          <p:nvPr/>
+        </p:nvCxnSpPr>
+        <p:spPr>
+          <a:xfrm flipV="1">
+            <a:off x="1798303" y="3102087"/>
+            <a:ext cx="889146" cy="301029"/>
+          </a:xfrm>
+          <a:prstGeom prst="straightConnector1">
+            <a:avLst/>
+          </a:prstGeom>
+          <a:ln w="38100">
+            <a:solidFill>
+              <a:srgbClr val="0000CC"/>
+            </a:solidFill>
+            <a:tailEnd type="triangle"/>
+          </a:ln>
+        </p:spPr>
+        <p:style>
+          <a:lnRef idx="1">
+            <a:schemeClr val="accent1"/>
+          </a:lnRef>
+          <a:fillRef idx="0">
+            <a:schemeClr val="accent1"/>
+          </a:fillRef>
+          <a:effectRef idx="0">
+            <a:schemeClr val="accent1"/>
+          </a:effectRef>
+          <a:fontRef idx="minor">
+            <a:schemeClr val="tx1"/>
+          </a:fontRef>
+        </p:style>
+      </p:cxnSp>
+      <p:cxnSp>
+        <p:nvCxnSpPr>
+          <p:cNvPr id="47" name="직선 화살표 연결선 46"/>
+          <p:cNvCxnSpPr/>
+          <p:nvPr/>
+        </p:nvCxnSpPr>
+        <p:spPr>
+          <a:xfrm flipH="1" flipV="1">
+            <a:off x="1798304" y="3574560"/>
+            <a:ext cx="682683" cy="548590"/>
+          </a:xfrm>
+          <a:prstGeom prst="straightConnector1">
+            <a:avLst/>
+          </a:prstGeom>
+          <a:ln w="38100">
+            <a:solidFill>
+              <a:srgbClr val="0000CC"/>
+            </a:solidFill>
+            <a:tailEnd type="triangle"/>
+          </a:ln>
+        </p:spPr>
+        <p:style>
+          <a:lnRef idx="1">
+            <a:schemeClr val="accent1"/>
+          </a:lnRef>
+          <a:fillRef idx="0">
+            <a:schemeClr val="accent1"/>
+          </a:fillRef>
+          <a:effectRef idx="0">
+            <a:schemeClr val="accent1"/>
+          </a:effectRef>
+          <a:fontRef idx="minor">
+            <a:schemeClr val="tx1"/>
+          </a:fontRef>
+        </p:style>
+      </p:cxnSp>
+      <p:sp>
+        <p:nvSpPr>
+          <p:cNvPr id="49" name="TextBox 48"/>
+          <p:cNvSpPr txBox="1"/>
+          <p:nvPr/>
+        </p:nvSpPr>
+        <p:spPr>
+          <a:xfrm rot="20374875">
+            <a:off x="1965984" y="3067070"/>
+            <a:ext cx="435537" cy="164787"/>
+          </a:xfrm>
+          <a:prstGeom prst="rect">
+            <a:avLst/>
+          </a:prstGeom>
+          <a:noFill/>
+        </p:spPr>
+        <p:txBody>
+          <a:bodyPr wrap="none" rtlCol="0">
+            <a:spAutoFit/>
+          </a:bodyPr>
+          <a:lstStyle/>
+          <a:p>
+            <a:r>
+              <a:rPr lang="en-US" altLang="ko-KR" sz="1100" dirty="0" smtClean="0"/>
+              <a:t>request</a:t>
+            </a:r>
+            <a:endParaRPr lang="ko-KR" altLang="en-US" sz="1100" dirty="0"/>
+          </a:p>
+        </p:txBody>
+      </p:sp>
+      <p:sp>
+        <p:nvSpPr>
+          <p:cNvPr id="55" name="TextBox 54"/>
+          <p:cNvSpPr txBox="1"/>
+          <p:nvPr/>
+        </p:nvSpPr>
+        <p:spPr>
+          <a:xfrm rot="2670102">
+            <a:off x="2039822" y="3677955"/>
+            <a:ext cx="499991" cy="164787"/>
+          </a:xfrm>
+          <a:prstGeom prst="rect">
+            <a:avLst/>
+          </a:prstGeom>
+          <a:solidFill>
+            <a:schemeClr val="bg1"/>
+          </a:solidFill>
+        </p:spPr>
+        <p:txBody>
+          <a:bodyPr wrap="none" rtlCol="0">
+            <a:spAutoFit/>
+          </a:bodyPr>
+          <a:lstStyle/>
+          <a:p>
+            <a:r>
+              <a:rPr lang="en-US" altLang="ko-KR" sz="1100" dirty="0" smtClean="0"/>
+              <a:t>response</a:t>
+            </a:r>
+            <a:endParaRPr lang="ko-KR" altLang="en-US" sz="1100" dirty="0"/>
+          </a:p>
+        </p:txBody>
+      </p:sp>
+      <p:sp>
+        <p:nvSpPr>
+          <p:cNvPr id="56" name="직사각형 55"/>
+          <p:cNvSpPr/>
+          <p:nvPr/>
+        </p:nvSpPr>
+        <p:spPr>
+          <a:xfrm>
+            <a:off x="2527885" y="4156711"/>
+            <a:ext cx="789534" cy="725896"/>
+          </a:xfrm>
+          <a:prstGeom prst="rect">
+            <a:avLst/>
+          </a:prstGeom>
+          <a:solidFill>
+            <a:schemeClr val="accent4">
+              <a:lumMod val="20000"/>
+              <a:lumOff val="80000"/>
+            </a:schemeClr>
+          </a:solidFill>
+          <a:ln>
+            <a:solidFill>
+              <a:schemeClr val="bg1">
+                <a:lumMod val="50000"/>
+              </a:schemeClr>
+            </a:solidFill>
+          </a:ln>
+        </p:spPr>
+        <p:style>
+          <a:lnRef idx="2">
+            <a:schemeClr val="accent1">
+              <a:shade val="50000"/>
+            </a:schemeClr>
+          </a:lnRef>
+          <a:fillRef idx="1">
+            <a:schemeClr val="accent1"/>
+          </a:fillRef>
+          <a:effectRef idx="0">
+            <a:schemeClr val="accent1"/>
+          </a:effectRef>
+          <a:fontRef idx="minor">
+            <a:schemeClr val="lt1"/>
+          </a:fontRef>
+        </p:style>
+        <p:txBody>
+          <a:bodyPr rtlCol="0" anchor="t"/>
+          <a:lstStyle/>
+          <a:p>
+            <a:pPr algn="ctr"/>
+            <a:r>
+              <a:rPr lang="en-US" altLang="ko-KR" sz="1050" b="1" dirty="0" smtClean="0">
+                <a:solidFill>
+                  <a:schemeClr val="tx1"/>
+                </a:solidFill>
+              </a:rPr>
+              <a:t>View</a:t>
+            </a:r>
+          </a:p>
+          <a:p>
+            <a:pPr algn="ctr"/>
+            <a:endParaRPr lang="en-US" altLang="ko-KR" sz="1050" b="1" dirty="0">
+              <a:solidFill>
+                <a:schemeClr val="tx1"/>
+              </a:solidFill>
+            </a:endParaRPr>
+          </a:p>
+          <a:p>
+            <a:pPr algn="ctr">
+              <a:lnSpc>
+                <a:spcPct val="150000"/>
+              </a:lnSpc>
+            </a:pPr>
+            <a:endParaRPr lang="ko-KR" altLang="en-US" sz="700" dirty="0">
+              <a:solidFill>
+                <a:schemeClr val="tx1"/>
+              </a:solidFill>
+            </a:endParaRPr>
+          </a:p>
+        </p:txBody>
+      </p:sp>
+      <p:pic>
+        <p:nvPicPr>
+          <p:cNvPr id="2" name="그림 1"/>
+          <p:cNvPicPr>
+            <a:picLocks noChangeAspect="1"/>
+          </p:cNvPicPr>
+          <p:nvPr/>
+        </p:nvPicPr>
+        <p:blipFill>
+          <a:blip r:embed="rId5"/>
+          <a:stretch>
+            <a:fillRect/>
+          </a:stretch>
+        </p:blipFill>
+        <p:spPr>
+          <a:xfrm>
+            <a:off x="2788468" y="4374657"/>
+            <a:ext cx="268368" cy="431717"/>
+          </a:xfrm>
+          <a:prstGeom prst="rect">
+            <a:avLst/>
+          </a:prstGeom>
+          <a:ln>
+            <a:solidFill>
+              <a:schemeClr val="tx1"/>
+            </a:solidFill>
+          </a:ln>
+        </p:spPr>
+      </p:pic>
+      <p:sp>
+        <p:nvSpPr>
+          <p:cNvPr id="4" name="직사각형 3"/>
+          <p:cNvSpPr/>
+          <p:nvPr/>
+        </p:nvSpPr>
+        <p:spPr>
+          <a:xfrm>
+            <a:off x="2370158" y="4067213"/>
+            <a:ext cx="1088942" cy="958603"/>
+          </a:xfrm>
+          <a:prstGeom prst="rect">
+            <a:avLst/>
+          </a:prstGeom>
+          <a:noFill/>
+          <a:ln w="57150">
+            <a:solidFill>
+              <a:srgbClr val="FF0000"/>
+            </a:solidFill>
+          </a:ln>
+        </p:spPr>
+        <p:style>
+          <a:lnRef idx="2">
+            <a:schemeClr val="accent1">
+              <a:shade val="50000"/>
+            </a:schemeClr>
+          </a:lnRef>
+          <a:fillRef idx="1">
+            <a:schemeClr val="accent1"/>
+          </a:fillRef>
+          <a:effectRef idx="0">
+            <a:schemeClr val="accent1"/>
+          </a:effectRef>
+          <a:fontRef idx="minor">
+            <a:schemeClr val="lt1"/>
+          </a:fontRef>
+        </p:style>
+        <p:txBody>
+          <a:bodyPr rtlCol="0" anchor="ctr"/>
+          <a:lstStyle/>
+          <a:p>
+            <a:pPr algn="ctr"/>
+            <a:endParaRPr lang="ko-KR" altLang="en-US"/>
+          </a:p>
+        </p:txBody>
+      </p:sp>
+      <p:sp>
+        <p:nvSpPr>
+          <p:cNvPr id="35" name="TextBox 34"/>
+          <p:cNvSpPr txBox="1"/>
+          <p:nvPr/>
+        </p:nvSpPr>
+        <p:spPr>
+          <a:xfrm>
+            <a:off x="476022" y="131137"/>
+            <a:ext cx="4838184" cy="461665"/>
+          </a:xfrm>
+          <a:prstGeom prst="rect">
+            <a:avLst/>
+          </a:prstGeom>
+          <a:noFill/>
+        </p:spPr>
+        <p:txBody>
+          <a:bodyPr wrap="none" rtlCol="0">
+            <a:spAutoFit/>
+          </a:bodyPr>
+          <a:lstStyle/>
+          <a:p>
+            <a:r>
+              <a:rPr lang="ko-KR" altLang="en-US" sz="2400" b="1" dirty="0" smtClean="0"/>
+              <a:t>섹션</a:t>
+            </a:r>
+            <a:r>
+              <a:rPr lang="en-US" altLang="ko-KR" sz="2400" b="1" dirty="0" smtClean="0"/>
+              <a:t>15-1 </a:t>
+            </a:r>
+            <a:r>
+              <a:rPr lang="ko-KR" altLang="en-US" sz="2400" b="1" dirty="0" err="1" smtClean="0"/>
+              <a:t>오라클</a:t>
+            </a:r>
+            <a:r>
+              <a:rPr lang="ko-KR" altLang="en-US" sz="2400" b="1" dirty="0" smtClean="0"/>
+              <a:t> </a:t>
+            </a:r>
+            <a:r>
+              <a:rPr lang="en-US" altLang="ko-KR" sz="2400" b="1" dirty="0" smtClean="0"/>
+              <a:t>DBMS </a:t>
+            </a:r>
+            <a:r>
+              <a:rPr lang="ko-KR" altLang="en-US" sz="2400" b="1" dirty="0" err="1" smtClean="0"/>
+              <a:t>세팅하기</a:t>
+            </a:r>
+            <a:endParaRPr lang="ko-KR" altLang="en-US" sz="2400" b="1" dirty="0"/>
+          </a:p>
+        </p:txBody>
+      </p:sp>
+      <p:pic>
+        <p:nvPicPr>
+          <p:cNvPr id="8" name="그림 7"/>
+          <p:cNvPicPr>
+            <a:picLocks noChangeAspect="1"/>
+          </p:cNvPicPr>
+          <p:nvPr/>
+        </p:nvPicPr>
+        <p:blipFill>
+          <a:blip r:embed="rId6"/>
+          <a:stretch>
+            <a:fillRect/>
+          </a:stretch>
+        </p:blipFill>
+        <p:spPr>
+          <a:xfrm>
+            <a:off x="8777836" y="2672345"/>
+            <a:ext cx="2429071" cy="1088003"/>
+          </a:xfrm>
+          <a:prstGeom prst="rect">
+            <a:avLst/>
+          </a:prstGeom>
+        </p:spPr>
+      </p:pic>
+      <p:sp>
+        <p:nvSpPr>
+          <p:cNvPr id="9" name="오른쪽 화살표 8"/>
+          <p:cNvSpPr/>
+          <p:nvPr/>
+        </p:nvSpPr>
+        <p:spPr>
+          <a:xfrm>
+            <a:off x="6737260" y="2990041"/>
+            <a:ext cx="1800393" cy="554609"/>
+          </a:xfrm>
+          <a:prstGeom prst="rightArrow">
+            <a:avLst/>
+          </a:prstGeom>
+          <a:solidFill>
+            <a:schemeClr val="bg1">
+              <a:lumMod val="75000"/>
+            </a:schemeClr>
+          </a:solidFill>
+          <a:ln>
+            <a:solidFill>
+              <a:schemeClr val="bg1"/>
+            </a:solidFill>
+          </a:ln>
+        </p:spPr>
+        <p:style>
+          <a:lnRef idx="2">
+            <a:schemeClr val="accent1">
+              <a:shade val="50000"/>
+            </a:schemeClr>
+          </a:lnRef>
+          <a:fillRef idx="1">
+            <a:schemeClr val="accent1"/>
+          </a:fillRef>
+          <a:effectRef idx="0">
+            <a:schemeClr val="accent1"/>
+          </a:effectRef>
+          <a:fontRef idx="minor">
+            <a:schemeClr val="lt1"/>
+          </a:fontRef>
+        </p:style>
+        <p:txBody>
+          <a:bodyPr rtlCol="0" anchor="ctr"/>
+          <a:lstStyle/>
+          <a:p>
+            <a:pPr algn="ctr"/>
+            <a:r>
+              <a:rPr lang="en-US" altLang="ko-KR" sz="1400" dirty="0" smtClean="0">
+                <a:solidFill>
+                  <a:schemeClr val="tx1"/>
+                </a:solidFill>
+              </a:rPr>
+              <a:t>connection</a:t>
+            </a:r>
+            <a:endParaRPr lang="ko-KR" altLang="en-US" sz="1400" dirty="0">
+              <a:solidFill>
+                <a:schemeClr val="tx1"/>
+              </a:solidFill>
+            </a:endParaRPr>
+          </a:p>
+        </p:txBody>
+      </p:sp>
+      <p:sp>
+        <p:nvSpPr>
+          <p:cNvPr id="10" name="모서리가 둥근 사각형 설명선 9"/>
+          <p:cNvSpPr/>
+          <p:nvPr/>
+        </p:nvSpPr>
+        <p:spPr>
+          <a:xfrm>
+            <a:off x="6687673" y="4077416"/>
+            <a:ext cx="3225989" cy="805191"/>
+          </a:xfrm>
+          <a:prstGeom prst="wedgeRoundRectCallout">
+            <a:avLst>
+              <a:gd name="adj1" fmla="val -26171"/>
+              <a:gd name="adj2" fmla="val -132044"/>
+              <a:gd name="adj3" fmla="val 16667"/>
+            </a:avLst>
+          </a:prstGeom>
+          <a:solidFill>
+            <a:schemeClr val="bg1"/>
+          </a:solidFill>
+          <a:ln>
+            <a:solidFill>
+              <a:schemeClr val="tx1"/>
+            </a:solidFill>
+          </a:ln>
+        </p:spPr>
+        <p:style>
+          <a:lnRef idx="2">
+            <a:schemeClr val="accent1">
+              <a:shade val="50000"/>
+            </a:schemeClr>
+          </a:lnRef>
+          <a:fillRef idx="1">
+            <a:schemeClr val="accent1"/>
+          </a:fillRef>
+          <a:effectRef idx="0">
+            <a:schemeClr val="accent1"/>
+          </a:effectRef>
+          <a:fontRef idx="minor">
+            <a:schemeClr val="lt1"/>
+          </a:fontRef>
+        </p:style>
+        <p:txBody>
+          <a:bodyPr rtlCol="0" anchor="ctr"/>
+          <a:lstStyle/>
+          <a:p>
+            <a:r>
+              <a:rPr lang="ko-KR" altLang="en-US" sz="1200" dirty="0" smtClean="0">
+                <a:solidFill>
+                  <a:schemeClr val="tx1"/>
+                </a:solidFill>
+              </a:rPr>
+              <a:t>쿼리를 던지고 데이터를 받아오는 방식</a:t>
+            </a:r>
+            <a:endParaRPr lang="en-US" altLang="ko-KR" sz="1200" dirty="0" smtClean="0">
+              <a:solidFill>
+                <a:schemeClr val="tx1"/>
+              </a:solidFill>
+            </a:endParaRPr>
+          </a:p>
+          <a:p>
+            <a:pPr>
+              <a:lnSpc>
+                <a:spcPct val="150000"/>
+              </a:lnSpc>
+            </a:pPr>
+            <a:r>
+              <a:rPr lang="en-US" altLang="ko-KR" sz="1200" dirty="0" err="1" smtClean="0">
+                <a:solidFill>
+                  <a:schemeClr val="tx1"/>
+                </a:solidFill>
+              </a:rPr>
+              <a:t>Jdbc</a:t>
+            </a:r>
+            <a:r>
+              <a:rPr lang="en-US" altLang="ko-KR" sz="1200" dirty="0" smtClean="0">
+                <a:solidFill>
+                  <a:schemeClr val="tx1"/>
+                </a:solidFill>
+              </a:rPr>
+              <a:t>, </a:t>
+            </a:r>
+            <a:r>
+              <a:rPr lang="en-US" altLang="ko-KR" sz="1200" dirty="0" err="1" smtClean="0">
+                <a:solidFill>
+                  <a:schemeClr val="tx1"/>
+                </a:solidFill>
+              </a:rPr>
+              <a:t>jdbctemplate</a:t>
+            </a:r>
+            <a:r>
+              <a:rPr lang="en-US" altLang="ko-KR" sz="1200" dirty="0" smtClean="0">
+                <a:solidFill>
+                  <a:schemeClr val="tx1"/>
+                </a:solidFill>
+              </a:rPr>
+              <a:t>, </a:t>
+            </a:r>
+            <a:r>
+              <a:rPr lang="en-US" altLang="ko-KR" sz="1200" b="1" dirty="0" err="1" smtClean="0">
+                <a:solidFill>
+                  <a:schemeClr val="tx1"/>
+                </a:solidFill>
+              </a:rPr>
+              <a:t>Mybatis</a:t>
+            </a:r>
+            <a:r>
+              <a:rPr lang="en-US" altLang="ko-KR" sz="1200" b="1" dirty="0" smtClean="0">
+                <a:solidFill>
+                  <a:schemeClr val="tx1"/>
+                </a:solidFill>
+              </a:rPr>
+              <a:t>, </a:t>
+            </a:r>
+            <a:r>
+              <a:rPr lang="en-US" altLang="ko-KR" sz="1200" dirty="0" err="1" smtClean="0">
+                <a:solidFill>
+                  <a:schemeClr val="tx1"/>
+                </a:solidFill>
+              </a:rPr>
+              <a:t>jpa</a:t>
+            </a:r>
+            <a:endParaRPr lang="ko-KR" altLang="en-US" sz="1200" dirty="0">
+              <a:solidFill>
+                <a:schemeClr val="tx1"/>
+              </a:solidFill>
+            </a:endParaRPr>
+          </a:p>
+        </p:txBody>
+      </p:sp>
+      <p:pic>
+        <p:nvPicPr>
+          <p:cNvPr id="46" name="그림 45"/>
+          <p:cNvPicPr>
+            <a:picLocks noChangeAspect="1"/>
+          </p:cNvPicPr>
+          <p:nvPr/>
+        </p:nvPicPr>
+        <p:blipFill>
+          <a:blip r:embed="rId7"/>
+          <a:stretch>
+            <a:fillRect/>
+          </a:stretch>
+        </p:blipFill>
+        <p:spPr>
+          <a:xfrm>
+            <a:off x="9622812" y="1478970"/>
+            <a:ext cx="727740" cy="545805"/>
+          </a:xfrm>
+          <a:prstGeom prst="rect">
+            <a:avLst/>
+          </a:prstGeom>
+          <a:ln>
+            <a:solidFill>
+              <a:schemeClr val="tx1"/>
+            </a:solidFill>
+          </a:ln>
+        </p:spPr>
+      </p:pic>
+      <p:sp>
+        <p:nvSpPr>
+          <p:cNvPr id="11" name="이등변 삼각형 10"/>
+          <p:cNvSpPr/>
+          <p:nvPr/>
+        </p:nvSpPr>
+        <p:spPr>
+          <a:xfrm rot="10800000">
+            <a:off x="9588221" y="2178816"/>
+            <a:ext cx="796923" cy="222154"/>
+          </a:xfrm>
+          <a:prstGeom prst="triangle">
+            <a:avLst/>
+          </a:prstGeom>
+        </p:spPr>
+        <p:style>
+          <a:lnRef idx="1">
+            <a:schemeClr val="accent2"/>
+          </a:lnRef>
+          <a:fillRef idx="2">
+            <a:schemeClr val="accent2"/>
+          </a:fillRef>
+          <a:effectRef idx="1">
+            <a:schemeClr val="accent2"/>
+          </a:effectRef>
+          <a:fontRef idx="minor">
+            <a:schemeClr val="dk1"/>
+          </a:fontRef>
+        </p:style>
+        <p:txBody>
+          <a:bodyPr rtlCol="0" anchor="ctr"/>
+          <a:lstStyle/>
+          <a:p>
+            <a:pPr algn="ctr"/>
+            <a:endParaRPr lang="ko-KR" altLang="en-US"/>
+          </a:p>
+        </p:txBody>
+      </p:sp>
+      <p:sp>
+        <p:nvSpPr>
+          <p:cNvPr id="12" name="직사각형 11"/>
+          <p:cNvSpPr/>
+          <p:nvPr/>
+        </p:nvSpPr>
+        <p:spPr>
+          <a:xfrm>
+            <a:off x="8615082" y="2464431"/>
+            <a:ext cx="2743200" cy="1448522"/>
+          </a:xfrm>
+          <a:prstGeom prst="rect">
+            <a:avLst/>
+          </a:prstGeom>
+          <a:noFill/>
+          <a:ln w="57150">
+            <a:solidFill>
+              <a:schemeClr val="bg1">
+                <a:lumMod val="50000"/>
+              </a:schemeClr>
+            </a:solidFill>
+          </a:ln>
+        </p:spPr>
+        <p:style>
+          <a:lnRef idx="2">
+            <a:schemeClr val="accent1">
+              <a:shade val="50000"/>
+            </a:schemeClr>
+          </a:lnRef>
+          <a:fillRef idx="1">
+            <a:schemeClr val="accent1"/>
+          </a:fillRef>
+          <a:effectRef idx="0">
+            <a:schemeClr val="accent1"/>
+          </a:effectRef>
+          <a:fontRef idx="minor">
+            <a:schemeClr val="lt1"/>
+          </a:fontRef>
+        </p:style>
+        <p:txBody>
+          <a:bodyPr rtlCol="0" anchor="ctr"/>
+          <a:lstStyle/>
+          <a:p>
+            <a:pPr algn="ctr"/>
+            <a:endParaRPr lang="ko-KR" altLang="en-US"/>
+          </a:p>
+        </p:txBody>
+      </p:sp>
+      <p:sp>
+        <p:nvSpPr>
+          <p:cNvPr id="37" name="직사각형 36"/>
+          <p:cNvSpPr/>
+          <p:nvPr/>
+        </p:nvSpPr>
+        <p:spPr>
+          <a:xfrm>
+            <a:off x="2219799" y="1998536"/>
+            <a:ext cx="1511875" cy="892154"/>
+          </a:xfrm>
+          <a:prstGeom prst="rect">
+            <a:avLst/>
+          </a:prstGeom>
+          <a:noFill/>
+          <a:ln w="57150">
+            <a:solidFill>
+              <a:schemeClr val="bg1">
+                <a:lumMod val="50000"/>
+              </a:schemeClr>
+            </a:solidFill>
+          </a:ln>
+        </p:spPr>
+        <p:style>
+          <a:lnRef idx="2">
+            <a:schemeClr val="accent1">
+              <a:shade val="50000"/>
+            </a:schemeClr>
+          </a:lnRef>
+          <a:fillRef idx="1">
+            <a:schemeClr val="accent1"/>
+          </a:fillRef>
+          <a:effectRef idx="0">
+            <a:schemeClr val="accent1"/>
+          </a:effectRef>
+          <a:fontRef idx="minor">
+            <a:schemeClr val="lt1"/>
+          </a:fontRef>
+        </p:style>
+        <p:txBody>
+          <a:bodyPr rtlCol="0" anchor="ctr"/>
+          <a:lstStyle/>
+          <a:p>
+            <a:pPr algn="ctr"/>
+            <a:endParaRPr lang="ko-KR" altLang="en-US"/>
+          </a:p>
+        </p:txBody>
+      </p:sp>
+      <p:sp>
+        <p:nvSpPr>
+          <p:cNvPr id="39" name="직사각형 38"/>
+          <p:cNvSpPr/>
+          <p:nvPr/>
+        </p:nvSpPr>
+        <p:spPr>
+          <a:xfrm>
+            <a:off x="6602863" y="3994344"/>
+            <a:ext cx="3395608" cy="1009105"/>
+          </a:xfrm>
+          <a:prstGeom prst="rect">
+            <a:avLst/>
+          </a:prstGeom>
+          <a:noFill/>
+          <a:ln w="57150">
+            <a:solidFill>
+              <a:srgbClr val="0066FF"/>
+            </a:solidFill>
+          </a:ln>
+        </p:spPr>
+        <p:style>
+          <a:lnRef idx="2">
+            <a:schemeClr val="accent1">
+              <a:shade val="50000"/>
+            </a:schemeClr>
+          </a:lnRef>
+          <a:fillRef idx="1">
+            <a:schemeClr val="accent1"/>
+          </a:fillRef>
+          <a:effectRef idx="0">
+            <a:schemeClr val="accent1"/>
+          </a:effectRef>
+          <a:fontRef idx="minor">
+            <a:schemeClr val="lt1"/>
+          </a:fontRef>
+        </p:style>
+        <p:txBody>
+          <a:bodyPr rtlCol="0" anchor="ctr"/>
+          <a:lstStyle/>
+          <a:p>
+            <a:pPr algn="ctr"/>
+            <a:endParaRPr lang="ko-KR" altLang="en-US"/>
+          </a:p>
+        </p:txBody>
+      </p:sp>
+    </p:spTree>
+    <p:extLst>
+      <p:ext uri="{BB962C8B-B14F-4D97-AF65-F5344CB8AC3E}">
+        <p14:creationId xmlns:p14="http://schemas.microsoft.com/office/powerpoint/2010/main" val="2702054315"/>
+      </p:ext>
+    </p:extLst>
+  </p:cSld>
+  <p:clrMapOvr>
+    <a:masterClrMapping/>
+  </p:clrMapOvr>
+  <p:timing>
+    <p:tnLst>
+      <p:par>
+        <p:cTn id="1" dur="indefinite" restart="never" nodeType="tmRoot"/>
+      </p:par>
+    </p:tnLst>
+  </p:timing>
+</p:sld>
+</file>
+
 <file path=ppt/theme/theme1.xml><?xml version="1.0" encoding="utf-8"?>
 <a:theme xmlns:a="http://schemas.openxmlformats.org/drawingml/2006/main" name="Office 테마">
   <a:themeElements>
